--- a/DeceptionDetective.pptx
+++ b/DeceptionDetective.pptx
@@ -27,14 +27,14 @@
   <p:notesSz cx="6858000" cy="9144000"/>
   <p:embeddedFontLst>
     <p:embeddedFont>
-      <p:font typeface="Barlow Light" pitchFamily="2" charset="77"/>
+      <p:font typeface="Barlow Light" panose="020B0604020202020204" charset="0"/>
       <p:regular r:id="rId17"/>
       <p:bold r:id="rId18"/>
       <p:italic r:id="rId19"/>
       <p:boldItalic r:id="rId20"/>
     </p:embeddedFont>
     <p:embeddedFont>
-      <p:font typeface="Barlow SemiBold" pitchFamily="2" charset="77"/>
+      <p:font typeface="Barlow SemiBold" panose="020B0604020202020204" charset="0"/>
       <p:regular r:id="rId21"/>
       <p:bold r:id="rId22"/>
       <p:italic r:id="rId23"/>
@@ -14538,8 +14538,32 @@
           <a:lstStyle/>
           <a:p>
             <a:r>
+              <a:rPr lang="en-US" sz="1800" dirty="0" err="1"/>
+              <a:t>neuralcoref</a:t>
+            </a:r>
+            <a:r>
               <a:rPr lang="en-US" sz="1800" dirty="0"/>
-              <a:t>To do – Daniel Slide</a:t>
+              <a:t>: a Python library that provides tools for coreference resolution. We used this to develop a simple method for pronoun replacement</a:t>
+            </a:r>
+          </a:p>
+          <a:p>
+            <a:r>
+              <a:rPr lang="en-US" sz="1800" dirty="0"/>
+              <a:t>Natural Language Toolkit (</a:t>
+            </a:r>
+            <a:r>
+              <a:rPr lang="en-US" sz="1800" dirty="0" err="1"/>
+              <a:t>nltk</a:t>
+            </a:r>
+            <a:r>
+              <a:rPr lang="en-US" sz="1800" dirty="0"/>
+              <a:t>): Python library with natural language processing methods. We used this for preprocessing our text data before running it through our statement-finder function</a:t>
+            </a:r>
+          </a:p>
+          <a:p>
+            <a:r>
+              <a:rPr lang="en-US" sz="1800" dirty="0"/>
+              <a:t>Spacy: Another natural language processing library in Python. We used this for part-of-speech tagging in our atomic statement finder function</a:t>
             </a:r>
           </a:p>
           <a:p>
@@ -15673,6 +15697,12 @@
           <a:p>
             <a:r>
               <a:rPr lang="en-US" sz="1800" dirty="0"/>
+              <a:t>Atomic statement finder that returns all statements that meet the syntax criteria</a:t>
+            </a:r>
+          </a:p>
+          <a:p>
+            <a:r>
+              <a:rPr lang="en-US" sz="1800" dirty="0"/>
               <a:t>To-do – specifics on back-end</a:t>
             </a:r>
           </a:p>
@@ -16318,6 +16348,19 @@
           <a:p>
             <a:r>
               <a:rPr lang="en-US" sz="1800" dirty="0"/>
+              <a:t>Natural language complexity complicates programmatic statement finding</a:t>
+            </a:r>
+          </a:p>
+          <a:p>
+            <a:pPr lvl="1"/>
+            <a:r>
+              <a:rPr lang="en-US" sz="1600" dirty="0"/>
+              <a:t>We were able to define some base statement structures to work from. We plan to build upon these to increase the effectiveness of the tool</a:t>
+            </a:r>
+          </a:p>
+          <a:p>
+            <a:r>
+              <a:rPr lang="en-US" sz="1800" dirty="0"/>
               <a:t>To-do….</a:t>
             </a:r>
           </a:p>
@@ -16841,7 +16884,40 @@
           <a:p>
             <a:r>
               <a:rPr lang="en-US" dirty="0"/>
-              <a:t>To do</a:t>
+              <a:t>“Atomic Statement Finding”: </a:t>
+            </a:r>
+          </a:p>
+          <a:p>
+            <a:pPr lvl="1"/>
+            <a:r>
+              <a:rPr lang="en-US" sz="2000" dirty="0"/>
+              <a:t>Using part-of-speech tagging and syntax rules, we were able to develop a tool that approximates all the statements made within a body of text</a:t>
+            </a:r>
+          </a:p>
+          <a:p>
+            <a:r>
+              <a:rPr lang="en-US" dirty="0">
+                <a:highlight>
+                  <a:srgbClr val="FFFF00"/>
+                </a:highlight>
+              </a:rPr>
+              <a:t>To do: </a:t>
+            </a:r>
+            <a:r>
+              <a:rPr lang="en-US" dirty="0" err="1">
+                <a:highlight>
+                  <a:srgbClr val="FFFF00"/>
+                </a:highlight>
+              </a:rPr>
+              <a:t>Lando</a:t>
+            </a:r>
+            <a:r>
+              <a:rPr lang="en-US" dirty="0">
+                <a:highlight>
+                  <a:srgbClr val="FFFF00"/>
+                </a:highlight>
+              </a:rPr>
+              <a:t>?</a:t>
             </a:r>
           </a:p>
         </p:txBody>

--- a/DeceptionDetective.pptx
+++ b/DeceptionDetective.pptx
@@ -17266,6 +17266,73 @@
           </a:p>
         </p:txBody>
       </p:sp>
+      <p:pic>
+        <p:nvPicPr>
+          <p:cNvPr id="5" name="Picture 4">
+            <a:extLst>
+              <a:ext uri="{FF2B5EF4-FFF2-40B4-BE49-F238E27FC236}">
+                <a16:creationId xmlns:a16="http://schemas.microsoft.com/office/drawing/2014/main" id="{FEB6C351-6009-4AFC-926A-8BB6B9170B7F}"/>
+              </a:ext>
+            </a:extLst>
+          </p:cNvPr>
+          <p:cNvPicPr>
+            <a:picLocks noChangeAspect="1"/>
+          </p:cNvPicPr>
+          <p:nvPr/>
+        </p:nvPicPr>
+        <p:blipFill>
+          <a:blip r:embed="rId2"/>
+          <a:stretch>
+            <a:fillRect/>
+          </a:stretch>
+        </p:blipFill>
+        <p:spPr>
+          <a:xfrm>
+            <a:off x="1228865" y="0"/>
+            <a:ext cx="6686270" cy="2434635"/>
+          </a:xfrm>
+          <a:prstGeom prst="rect">
+            <a:avLst/>
+          </a:prstGeom>
+        </p:spPr>
+      </p:pic>
+      <p:sp>
+        <p:nvSpPr>
+          <p:cNvPr id="8" name="TextBox 7">
+            <a:extLst>
+              <a:ext uri="{FF2B5EF4-FFF2-40B4-BE49-F238E27FC236}">
+                <a16:creationId xmlns:a16="http://schemas.microsoft.com/office/drawing/2014/main" id="{26F21A16-7954-4814-AA87-ADE3177F3098}"/>
+              </a:ext>
+            </a:extLst>
+          </p:cNvPr>
+          <p:cNvSpPr txBox="1"/>
+          <p:nvPr/>
+        </p:nvSpPr>
+        <p:spPr>
+          <a:xfrm>
+            <a:off x="1228865" y="2796272"/>
+            <a:ext cx="6686270" cy="1200329"/>
+          </a:xfrm>
+          <a:prstGeom prst="rect">
+            <a:avLst/>
+          </a:prstGeom>
+          <a:noFill/>
+        </p:spPr>
+        <p:txBody>
+          <a:bodyPr wrap="square" rtlCol="0">
+            <a:spAutoFit/>
+          </a:bodyPr>
+          <a:lstStyle/>
+          <a:p>
+            <a:r>
+              <a:rPr lang="en-US" sz="1800" dirty="0">
+                <a:latin typeface="Barlow Light" panose="020B0604020202020204" charset="0"/>
+              </a:rPr>
+              <a:t>Our project consists of three main components: the web extension front-end, the statement-finder backend, and the fact-checker backend. The above design diagram for our project shows how these components work together.</a:t>
+            </a:r>
+          </a:p>
+        </p:txBody>
+      </p:sp>
     </p:spTree>
     <p:extLst>
       <p:ext uri="{BB962C8B-B14F-4D97-AF65-F5344CB8AC3E}">
@@ -17359,6 +17426,87 @@
               <a:t>8</a:t>
             </a:fld>
             <a:endParaRPr lang="en"/>
+          </a:p>
+        </p:txBody>
+      </p:sp>
+      <p:sp>
+        <p:nvSpPr>
+          <p:cNvPr id="4" name="TextBox 3">
+            <a:extLst>
+              <a:ext uri="{FF2B5EF4-FFF2-40B4-BE49-F238E27FC236}">
+                <a16:creationId xmlns:a16="http://schemas.microsoft.com/office/drawing/2014/main" id="{758AA5F7-DCD5-4193-9629-326606D7922B}"/>
+              </a:ext>
+            </a:extLst>
+          </p:cNvPr>
+          <p:cNvSpPr txBox="1"/>
+          <p:nvPr/>
+        </p:nvSpPr>
+        <p:spPr>
+          <a:xfrm>
+            <a:off x="1193343" y="1309866"/>
+            <a:ext cx="6757313" cy="2523768"/>
+          </a:xfrm>
+          <a:prstGeom prst="rect">
+            <a:avLst/>
+          </a:prstGeom>
+          <a:noFill/>
+        </p:spPr>
+        <p:txBody>
+          <a:bodyPr wrap="square" rtlCol="0">
+            <a:spAutoFit/>
+          </a:bodyPr>
+          <a:lstStyle/>
+          <a:p>
+            <a:pPr>
+              <a:spcBef>
+                <a:spcPts val="1200"/>
+              </a:spcBef>
+            </a:pPr>
+            <a:r>
+              <a:rPr lang="en-US" sz="1600" dirty="0">
+                <a:latin typeface="Barlow Light" panose="020B0604020202020204" charset="0"/>
+              </a:rPr>
+              <a:t>Web extension: The user interacts with the extension to activate the tool</a:t>
+            </a:r>
+          </a:p>
+          <a:p>
+            <a:pPr>
+              <a:spcBef>
+                <a:spcPts val="1200"/>
+              </a:spcBef>
+            </a:pPr>
+            <a:r>
+              <a:rPr lang="en-US" sz="1600" dirty="0">
+                <a:latin typeface="Barlow Light" panose="020B0604020202020204" charset="0"/>
+              </a:rPr>
+              <a:t>Statement-finder: The input from the web extension is processed to create a list of statements within the provided text</a:t>
+            </a:r>
+          </a:p>
+          <a:p>
+            <a:pPr>
+              <a:spcBef>
+                <a:spcPts val="1200"/>
+              </a:spcBef>
+            </a:pPr>
+            <a:r>
+              <a:rPr lang="en-US" sz="1600" dirty="0">
+                <a:latin typeface="Barlow Light" panose="020B0604020202020204" charset="0"/>
+              </a:rPr>
+              <a:t>Fact-checker: Each statement is checked against one or more online source to determine its factual integrity</a:t>
+            </a:r>
+          </a:p>
+          <a:p>
+            <a:pPr>
+              <a:spcBef>
+                <a:spcPts val="1200"/>
+              </a:spcBef>
+            </a:pPr>
+            <a:r>
+              <a:rPr lang="en-US" sz="1600" dirty="0">
+                <a:latin typeface="Barlow Light" panose="020B0604020202020204" charset="0"/>
+              </a:rPr>
+              <a:t>Frontend: Using the statements and their results from the fact-checker tool, a report is displayed to show each statement’s factuality rating and citation links for the user to explore </a:t>
+            </a:r>
           </a:p>
         </p:txBody>
       </p:sp>

--- a/DeceptionDetective.pptx
+++ b/DeceptionDetective.pptx
@@ -14563,7 +14563,7 @@
           <a:p>
             <a:r>
               <a:rPr lang="en-US" sz="1800" dirty="0"/>
-              <a:t>Spacy: Another natural language processing library in Python. We used this for part-of-speech tagging in our atomic statement finder function</a:t>
+              <a:t>Spacy: Another natural language processing library in Python. We used this for dependency and part-of-speech tagging in our atomic statement finder function</a:t>
             </a:r>
           </a:p>
           <a:p>
@@ -16352,13 +16352,6 @@
             </a:r>
           </a:p>
           <a:p>
-            <a:pPr lvl="1"/>
-            <a:r>
-              <a:rPr lang="en-US" sz="1600" dirty="0"/>
-              <a:t>We were able to define some base statement structures to work from. We plan to build upon these to increase the effectiveness of the tool</a:t>
-            </a:r>
-          </a:p>
-          <a:p>
             <a:r>
               <a:rPr lang="en-US" sz="1800" dirty="0"/>
               <a:t>To-do….</a:t>

--- a/DeceptionDetective.pptx
+++ b/DeceptionDetective.pptx
@@ -283,6 +283,16 @@
     </p:ext>
   </p:extLst>
 </p:presentation>
+</file>
+
+<file path=ppt/revisionInfo.xml><?xml version="1.0" encoding="utf-8"?>
+<p1510:revInfo xmlns:a="http://schemas.openxmlformats.org/drawingml/2006/main" xmlns:r="http://schemas.openxmlformats.org/officeDocument/2006/relationships" xmlns:p1510="http://schemas.microsoft.com/office/powerpoint/2015/10/main">
+  <p1510:revLst>
+    <p1510:client id="{0ACEB69F-6011-B000-CC7C-E73293EE65B8}" v="589" dt="2021-03-22T16:34:18.427"/>
+    <p1510:client id="{7C90E2CB-3F40-A1F7-3533-6D485DD96C35}" v="162" dt="2021-03-22T16:09:59.738"/>
+    <p1510:client id="{FF60C105-6821-CF78-DDC2-D96DEB927C73}" v="53" dt="2021-03-19T16:08:58.718"/>
+  </p1510:revLst>
+</p1510:revInfo>
 </file>
 
 <file path=ppt/notesMasters/notesMaster1.xml><?xml version="1.0" encoding="utf-8"?>
@@ -14698,7 +14708,18 @@
           <a:p>
             <a:r>
               <a:rPr lang="en-US" sz="1800" dirty="0"/>
-              <a:t>To do – Lando Slide</a:t>
+              <a:t>Beautiful Soup – a Python library that allows smooth HTML parsing and splitting. Finding specific element tags and checking them for desired content such as links or paragraph text is at the crux of our web scrapers.</a:t>
+            </a:r>
+          </a:p>
+          <a:p>
+            <a:pPr>
+              <a:lnSpc>
+                <a:spcPct val="114999"/>
+              </a:lnSpc>
+            </a:pPr>
+            <a:r>
+              <a:rPr lang="en-US" sz="1800" dirty="0"/>
+              <a:t>requests – a Python library with tools to query website URLs straight from script code. We use the request() method to retrieve the HTML from the links we're interested in. The HTML is then passed into a Beautiful Soup object.</a:t>
             </a:r>
           </a:p>
           <a:p>
@@ -15703,7 +15724,7 @@
           <a:p>
             <a:r>
               <a:rPr lang="en-US" sz="1800" dirty="0"/>
-              <a:t>To-do – specifics on back-end</a:t>
+              <a:t>Web scraper that parses Wikipedia and Snopes pages for fact-check ratings plus text content</a:t>
             </a:r>
           </a:p>
         </p:txBody>
@@ -16342,7 +16363,7 @@
           <a:p>
             <a:r>
               <a:rPr lang="en-US" sz="1800" dirty="0"/>
-              <a:t>Deeper web crawling?</a:t>
+              <a:t>Efficient web crawling and scraping</a:t>
             </a:r>
           </a:p>
           <a:p>
@@ -16354,7 +16375,7 @@
           <a:p>
             <a:r>
               <a:rPr lang="en-US" sz="1800" dirty="0"/>
-              <a:t>To-do….</a:t>
+              <a:t>Speeding up our software execution time for scalability</a:t>
             </a:r>
           </a:p>
         </p:txBody>
@@ -16889,29 +16910,28 @@
           </a:p>
           <a:p>
             <a:r>
-              <a:rPr lang="en-US" dirty="0">
-                <a:highlight>
-                  <a:srgbClr val="FFFF00"/>
-                </a:highlight>
-              </a:rPr>
-              <a:t>To do: </a:t>
+              <a:rPr lang="en-US" dirty="0"/>
+              <a:t>"Website Scraping and Crawling"</a:t>
             </a:r>
+          </a:p>
+          <a:p>
+            <a:pPr lvl="1">
+              <a:lnSpc>
+                <a:spcPct val="114999"/>
+              </a:lnSpc>
+            </a:pPr>
             <a:r>
-              <a:rPr lang="en-US" dirty="0" err="1">
-                <a:highlight>
-                  <a:srgbClr val="FFFF00"/>
-                </a:highlight>
-              </a:rPr>
-              <a:t>Lando</a:t>
+              <a:rPr lang="en-US" sz="2000" dirty="0"/>
+              <a:t>Querying a URL, reading the website's content, sorting the content for links to other pages, and consequently querying the links retrieved</a:t>
             </a:r>
-            <a:r>
-              <a:rPr lang="en-US" dirty="0">
-                <a:highlight>
-                  <a:srgbClr val="FFFF00"/>
-                </a:highlight>
-              </a:rPr>
-              <a:t>?</a:t>
-            </a:r>
+          </a:p>
+          <a:p>
+            <a:pPr lvl="1">
+              <a:lnSpc>
+                <a:spcPct val="114999"/>
+              </a:lnSpc>
+            </a:pPr>
+            <a:endParaRPr lang="en-US" dirty="0"/>
           </a:p>
         </p:txBody>
       </p:sp>

--- a/DeceptionDetective.pptx
+++ b/DeceptionDetective.pptx
@@ -27,14 +27,14 @@
   <p:notesSz cx="6858000" cy="9144000"/>
   <p:embeddedFontLst>
     <p:embeddedFont>
-      <p:font typeface="Barlow Light" panose="020B0604020202020204" charset="0"/>
+      <p:font typeface="Barlow Light" pitchFamily="2" charset="77"/>
       <p:regular r:id="rId17"/>
       <p:bold r:id="rId18"/>
       <p:italic r:id="rId19"/>
       <p:boldItalic r:id="rId20"/>
     </p:embeddedFont>
     <p:embeddedFont>
-      <p:font typeface="Barlow SemiBold" panose="020B0604020202020204" charset="0"/>
+      <p:font typeface="Barlow SemiBold" pitchFamily="2" charset="77"/>
       <p:regular r:id="rId21"/>
       <p:bold r:id="rId22"/>
       <p:italic r:id="rId23"/>
@@ -15845,12 +15845,41 @@
           </a:p>
         </p:txBody>
       </p:sp>
+      <p:pic>
+        <p:nvPicPr>
+          <p:cNvPr id="2" name="Picture 1">
+            <a:extLst>
+              <a:ext uri="{FF2B5EF4-FFF2-40B4-BE49-F238E27FC236}">
+                <a16:creationId xmlns:a16="http://schemas.microsoft.com/office/drawing/2014/main" id="{3C7CF886-65FE-1640-82CA-1B548AF3A9EE}"/>
+              </a:ext>
+            </a:extLst>
+          </p:cNvPr>
+          <p:cNvPicPr>
+            <a:picLocks noChangeAspect="1"/>
+          </p:cNvPicPr>
+          <p:nvPr/>
+        </p:nvPicPr>
+        <p:blipFill>
+          <a:blip r:embed="rId3"/>
+          <a:srcRect/>
+          <a:stretch/>
+        </p:blipFill>
+        <p:spPr>
+          <a:xfrm>
+            <a:off x="5447607" y="1977305"/>
+            <a:ext cx="3149486" cy="2001695"/>
+          </a:xfrm>
+          <a:prstGeom prst="rect">
+            <a:avLst/>
+          </a:prstGeom>
+        </p:spPr>
+      </p:pic>
       <p:grpSp>
         <p:nvGrpSpPr>
-          <p:cNvPr id="3" name="Group 2">
+          <p:cNvPr id="9" name="Google Shape;742;p34">
             <a:extLst>
               <a:ext uri="{FF2B5EF4-FFF2-40B4-BE49-F238E27FC236}">
-                <a16:creationId xmlns:a16="http://schemas.microsoft.com/office/drawing/2014/main" id="{D3F78B0D-1E82-0D47-B0A1-03D0C8B7D176}"/>
+                <a16:creationId xmlns:a16="http://schemas.microsoft.com/office/drawing/2014/main" id="{3858508F-6AB6-5B44-8DCF-6B891D265B5D}"/>
               </a:ext>
             </a:extLst>
           </p:cNvPr>
@@ -15861,414 +15890,363 @@
           <a:xfrm>
             <a:off x="5003240" y="1886699"/>
             <a:ext cx="4037354" cy="2389184"/>
-            <a:chOff x="5003240" y="1886699"/>
-            <a:chExt cx="4037354" cy="2389184"/>
+            <a:chOff x="1177450" y="241631"/>
+            <a:chExt cx="6173152" cy="3616776"/>
           </a:xfrm>
         </p:grpSpPr>
-        <p:grpSp>
-          <p:nvGrpSpPr>
-            <p:cNvPr id="9" name="Google Shape;742;p34">
+        <p:sp>
+          <p:nvSpPr>
+            <p:cNvPr id="10" name="Google Shape;743;p34">
               <a:extLst>
                 <a:ext uri="{FF2B5EF4-FFF2-40B4-BE49-F238E27FC236}">
-                  <a16:creationId xmlns:a16="http://schemas.microsoft.com/office/drawing/2014/main" id="{3858508F-6AB6-5B44-8DCF-6B891D265B5D}"/>
+                  <a16:creationId xmlns:a16="http://schemas.microsoft.com/office/drawing/2014/main" id="{C1AA3291-D938-6943-96A7-F5B99234F387}"/>
                 </a:ext>
               </a:extLst>
             </p:cNvPr>
-            <p:cNvGrpSpPr/>
+            <p:cNvSpPr/>
             <p:nvPr/>
-          </p:nvGrpSpPr>
-          <p:grpSpPr>
+          </p:nvSpPr>
+          <p:spPr>
             <a:xfrm>
-              <a:off x="5003240" y="1886699"/>
-              <a:ext cx="4037354" cy="2389184"/>
-              <a:chOff x="1177450" y="241631"/>
-              <a:chExt cx="6173152" cy="3616776"/>
+              <a:off x="1682275" y="241631"/>
+              <a:ext cx="5161606" cy="3454973"/>
             </a:xfrm>
-          </p:grpSpPr>
-          <p:sp>
-            <p:nvSpPr>
-              <p:cNvPr id="10" name="Google Shape;743;p34">
-                <a:extLst>
-                  <a:ext uri="{FF2B5EF4-FFF2-40B4-BE49-F238E27FC236}">
-                    <a16:creationId xmlns:a16="http://schemas.microsoft.com/office/drawing/2014/main" id="{C1AA3291-D938-6943-96A7-F5B99234F387}"/>
-                  </a:ext>
-                </a:extLst>
-              </p:cNvPr>
-              <p:cNvSpPr/>
-              <p:nvPr/>
-            </p:nvSpPr>
-            <p:spPr>
-              <a:xfrm>
-                <a:off x="1682275" y="241631"/>
-                <a:ext cx="5161606" cy="3454973"/>
-              </a:xfrm>
-              <a:custGeom>
-                <a:avLst/>
-                <a:gdLst/>
-                <a:ahLst/>
-                <a:cxnLst/>
-                <a:rect l="l" t="t" r="r" b="b"/>
-                <a:pathLst>
-                  <a:path w="5161606" h="3454973" extrusionOk="0">
-                    <a:moveTo>
-                      <a:pt x="4992053" y="0"/>
-                    </a:moveTo>
-                    <a:lnTo>
-                      <a:pt x="170498" y="0"/>
-                    </a:lnTo>
-                    <a:cubicBezTo>
-                      <a:pt x="76200" y="0"/>
-                      <a:pt x="0" y="76143"/>
-                      <a:pt x="0" y="170369"/>
-                    </a:cubicBezTo>
-                    <a:lnTo>
-                      <a:pt x="0" y="3396915"/>
-                    </a:lnTo>
-                    <a:cubicBezTo>
-                      <a:pt x="0" y="3429275"/>
-                      <a:pt x="26670" y="3454973"/>
-                      <a:pt x="58102" y="3454973"/>
-                    </a:cubicBezTo>
-                    <a:lnTo>
-                      <a:pt x="5103495" y="3454973"/>
-                    </a:lnTo>
-                    <a:cubicBezTo>
-                      <a:pt x="5135880" y="3454973"/>
-                      <a:pt x="5161598" y="3428324"/>
-                      <a:pt x="5161598" y="3396915"/>
-                    </a:cubicBezTo>
-                    <a:lnTo>
-                      <a:pt x="5161598" y="170369"/>
-                    </a:lnTo>
-                    <a:cubicBezTo>
-                      <a:pt x="5162550" y="76143"/>
-                      <a:pt x="5086350" y="0"/>
-                      <a:pt x="4992053" y="0"/>
-                    </a:cubicBezTo>
-                    <a:close/>
-                    <a:moveTo>
-                      <a:pt x="4981575" y="3245581"/>
-                    </a:moveTo>
-                    <a:lnTo>
-                      <a:pt x="190500" y="3245581"/>
-                    </a:lnTo>
-                    <a:lnTo>
-                      <a:pt x="190500" y="199874"/>
-                    </a:lnTo>
-                    <a:lnTo>
-                      <a:pt x="4981575" y="199874"/>
-                    </a:lnTo>
-                    <a:lnTo>
-                      <a:pt x="4981575" y="3245581"/>
-                    </a:lnTo>
-                    <a:close/>
-                  </a:path>
-                </a:pathLst>
-              </a:custGeom>
-              <a:solidFill>
-                <a:schemeClr val="dk1"/>
-              </a:solidFill>
-              <a:ln>
-                <a:noFill/>
-              </a:ln>
-            </p:spPr>
-            <p:txBody>
-              <a:bodyPr spcFirstLastPara="1" wrap="square" lIns="91425" tIns="45700" rIns="91425" bIns="45700" anchor="ctr" anchorCtr="0">
-                <a:noAutofit/>
-              </a:bodyPr>
-              <a:lstStyle/>
-              <a:p>
-                <a:pPr marL="0" marR="0" lvl="0" indent="0" algn="l" rtl="0">
-                  <a:spcBef>
-                    <a:spcPts val="0"/>
-                  </a:spcBef>
-                  <a:spcAft>
-                    <a:spcPts val="0"/>
-                  </a:spcAft>
-                  <a:buNone/>
-                </a:pPr>
-                <a:endParaRPr sz="1800">
-                  <a:solidFill>
-                    <a:srgbClr val="000000"/>
-                  </a:solidFill>
-                  <a:latin typeface="Calibri"/>
-                  <a:ea typeface="Calibri"/>
-                  <a:cs typeface="Calibri"/>
-                  <a:sym typeface="Calibri"/>
-                </a:endParaRPr>
-              </a:p>
-            </p:txBody>
-          </p:sp>
-          <p:sp>
-            <p:nvSpPr>
-              <p:cNvPr id="11" name="Google Shape;744;p34">
-                <a:extLst>
-                  <a:ext uri="{FF2B5EF4-FFF2-40B4-BE49-F238E27FC236}">
-                    <a16:creationId xmlns:a16="http://schemas.microsoft.com/office/drawing/2014/main" id="{704B8EDD-EE69-0941-80C5-F2A60DBC22CD}"/>
-                  </a:ext>
-                </a:extLst>
-              </p:cNvPr>
-              <p:cNvSpPr/>
-              <p:nvPr/>
-            </p:nvSpPr>
-            <p:spPr>
-              <a:xfrm>
-                <a:off x="1177450" y="3763229"/>
-                <a:ext cx="6173152" cy="95178"/>
-              </a:xfrm>
-              <a:custGeom>
-                <a:avLst/>
-                <a:gdLst/>
-                <a:ahLst/>
-                <a:cxnLst/>
-                <a:rect l="l" t="t" r="r" b="b"/>
-                <a:pathLst>
-                  <a:path w="6173152" h="95178" extrusionOk="0">
-                    <a:moveTo>
-                      <a:pt x="0" y="0"/>
-                    </a:moveTo>
-                    <a:cubicBezTo>
-                      <a:pt x="0" y="0"/>
-                      <a:pt x="129540" y="95178"/>
-                      <a:pt x="450533" y="95178"/>
-                    </a:cubicBezTo>
-                    <a:lnTo>
-                      <a:pt x="5817870" y="95178"/>
-                    </a:lnTo>
-                    <a:cubicBezTo>
-                      <a:pt x="5948363" y="95178"/>
-                      <a:pt x="6173153" y="0"/>
-                      <a:pt x="6173153" y="0"/>
-                    </a:cubicBezTo>
-                    <a:lnTo>
-                      <a:pt x="0" y="0"/>
-                    </a:lnTo>
-                    <a:close/>
-                  </a:path>
-                </a:pathLst>
-              </a:custGeom>
-              <a:solidFill>
-                <a:schemeClr val="dk1"/>
-              </a:solidFill>
-              <a:ln>
-                <a:noFill/>
-              </a:ln>
-            </p:spPr>
-            <p:txBody>
-              <a:bodyPr spcFirstLastPara="1" wrap="square" lIns="91425" tIns="45700" rIns="91425" bIns="45700" anchor="ctr" anchorCtr="0">
-                <a:noAutofit/>
-              </a:bodyPr>
-              <a:lstStyle/>
-              <a:p>
-                <a:pPr marL="0" marR="0" lvl="0" indent="0" algn="l" rtl="0">
-                  <a:spcBef>
-                    <a:spcPts val="0"/>
-                  </a:spcBef>
-                  <a:spcAft>
-                    <a:spcPts val="0"/>
-                  </a:spcAft>
-                  <a:buNone/>
-                </a:pPr>
-                <a:endParaRPr sz="1800">
-                  <a:solidFill>
-                    <a:srgbClr val="000000"/>
-                  </a:solidFill>
-                  <a:latin typeface="Calibri"/>
-                  <a:ea typeface="Calibri"/>
-                  <a:cs typeface="Calibri"/>
-                  <a:sym typeface="Calibri"/>
-                </a:endParaRPr>
-              </a:p>
-            </p:txBody>
-          </p:sp>
-          <p:sp>
-            <p:nvSpPr>
-              <p:cNvPr id="12" name="Google Shape;745;p34">
-                <a:extLst>
-                  <a:ext uri="{FF2B5EF4-FFF2-40B4-BE49-F238E27FC236}">
-                    <a16:creationId xmlns:a16="http://schemas.microsoft.com/office/drawing/2014/main" id="{93AE8D39-4804-CB4C-B72E-8429CA4F21A8}"/>
-                  </a:ext>
-                </a:extLst>
-              </p:cNvPr>
-              <p:cNvSpPr/>
-              <p:nvPr/>
-            </p:nvSpPr>
-            <p:spPr>
-              <a:xfrm>
-                <a:off x="1177450" y="3687086"/>
-                <a:ext cx="6172200" cy="76142"/>
-              </a:xfrm>
-              <a:custGeom>
-                <a:avLst/>
-                <a:gdLst/>
-                <a:ahLst/>
-                <a:cxnLst/>
-                <a:rect l="l" t="t" r="r" b="b"/>
-                <a:pathLst>
-                  <a:path w="6172200" h="76142" extrusionOk="0">
-                    <a:moveTo>
-                      <a:pt x="0" y="76143"/>
-                    </a:moveTo>
-                    <a:lnTo>
-                      <a:pt x="6172200" y="76143"/>
-                    </a:lnTo>
-                    <a:lnTo>
-                      <a:pt x="6172200" y="0"/>
-                    </a:lnTo>
-                    <a:lnTo>
-                      <a:pt x="0" y="0"/>
-                    </a:lnTo>
-                    <a:close/>
-                  </a:path>
-                </a:pathLst>
-              </a:custGeom>
-              <a:solidFill>
-                <a:schemeClr val="dk2"/>
-              </a:solidFill>
-              <a:ln>
-                <a:noFill/>
-              </a:ln>
-            </p:spPr>
-            <p:txBody>
-              <a:bodyPr spcFirstLastPara="1" wrap="square" lIns="91425" tIns="45700" rIns="91425" bIns="45700" anchor="ctr" anchorCtr="0">
-                <a:noAutofit/>
-              </a:bodyPr>
-              <a:lstStyle/>
-              <a:p>
-                <a:pPr marL="0" marR="0" lvl="0" indent="0" algn="l" rtl="0">
-                  <a:spcBef>
-                    <a:spcPts val="0"/>
-                  </a:spcBef>
-                  <a:spcAft>
-                    <a:spcPts val="0"/>
-                  </a:spcAft>
-                  <a:buNone/>
-                </a:pPr>
-                <a:endParaRPr sz="1800">
-                  <a:solidFill>
-                    <a:srgbClr val="000000"/>
-                  </a:solidFill>
-                  <a:latin typeface="Calibri"/>
-                  <a:ea typeface="Calibri"/>
-                  <a:cs typeface="Calibri"/>
-                  <a:sym typeface="Calibri"/>
-                </a:endParaRPr>
-              </a:p>
-            </p:txBody>
-          </p:sp>
-          <p:sp>
-            <p:nvSpPr>
-              <p:cNvPr id="13" name="Google Shape;746;p34">
-                <a:extLst>
-                  <a:ext uri="{FF2B5EF4-FFF2-40B4-BE49-F238E27FC236}">
-                    <a16:creationId xmlns:a16="http://schemas.microsoft.com/office/drawing/2014/main" id="{0A54B4D6-1ADD-044F-B086-6D210A742346}"/>
-                  </a:ext>
-                </a:extLst>
-              </p:cNvPr>
-              <p:cNvSpPr/>
-              <p:nvPr/>
-            </p:nvSpPr>
-            <p:spPr>
-              <a:xfrm>
-                <a:off x="3806350" y="3687086"/>
-                <a:ext cx="903922" cy="47589"/>
-              </a:xfrm>
-              <a:custGeom>
-                <a:avLst/>
-                <a:gdLst/>
-                <a:ahLst/>
-                <a:cxnLst/>
-                <a:rect l="l" t="t" r="r" b="b"/>
-                <a:pathLst>
-                  <a:path w="903922" h="47589" extrusionOk="0">
-                    <a:moveTo>
-                      <a:pt x="0" y="0"/>
-                    </a:moveTo>
-                    <a:cubicBezTo>
-                      <a:pt x="0" y="0"/>
-                      <a:pt x="26670" y="47589"/>
-                      <a:pt x="53340" y="47589"/>
-                    </a:cubicBezTo>
-                    <a:lnTo>
-                      <a:pt x="850582" y="47589"/>
-                    </a:lnTo>
-                    <a:cubicBezTo>
-                      <a:pt x="877253" y="47589"/>
-                      <a:pt x="903922" y="0"/>
-                      <a:pt x="903922" y="0"/>
-                    </a:cubicBezTo>
-                    <a:lnTo>
-                      <a:pt x="0" y="0"/>
-                    </a:lnTo>
-                    <a:close/>
-                  </a:path>
-                </a:pathLst>
-              </a:custGeom>
-              <a:solidFill>
-                <a:srgbClr val="666666"/>
-              </a:solidFill>
-              <a:ln>
-                <a:noFill/>
-              </a:ln>
-            </p:spPr>
-            <p:txBody>
-              <a:bodyPr spcFirstLastPara="1" wrap="square" lIns="91425" tIns="45700" rIns="91425" bIns="45700" anchor="ctr" anchorCtr="0">
-                <a:noAutofit/>
-              </a:bodyPr>
-              <a:lstStyle/>
-              <a:p>
-                <a:pPr marL="0" marR="0" lvl="0" indent="0" algn="l" rtl="0">
-                  <a:spcBef>
-                    <a:spcPts val="0"/>
-                  </a:spcBef>
-                  <a:spcAft>
-                    <a:spcPts val="0"/>
-                  </a:spcAft>
-                  <a:buNone/>
-                </a:pPr>
-                <a:endParaRPr sz="1800">
-                  <a:solidFill>
-                    <a:srgbClr val="000000"/>
-                  </a:solidFill>
-                  <a:latin typeface="Calibri"/>
-                  <a:ea typeface="Calibri"/>
-                  <a:cs typeface="Calibri"/>
-                  <a:sym typeface="Calibri"/>
-                </a:endParaRPr>
-              </a:p>
-            </p:txBody>
-          </p:sp>
-        </p:grpSp>
-        <p:pic>
-          <p:nvPicPr>
-            <p:cNvPr id="2" name="Picture 1">
+            <a:custGeom>
+              <a:avLst/>
+              <a:gdLst/>
+              <a:ahLst/>
+              <a:cxnLst/>
+              <a:rect l="l" t="t" r="r" b="b"/>
+              <a:pathLst>
+                <a:path w="5161606" h="3454973" extrusionOk="0">
+                  <a:moveTo>
+                    <a:pt x="4992053" y="0"/>
+                  </a:moveTo>
+                  <a:lnTo>
+                    <a:pt x="170498" y="0"/>
+                  </a:lnTo>
+                  <a:cubicBezTo>
+                    <a:pt x="76200" y="0"/>
+                    <a:pt x="0" y="76143"/>
+                    <a:pt x="0" y="170369"/>
+                  </a:cubicBezTo>
+                  <a:lnTo>
+                    <a:pt x="0" y="3396915"/>
+                  </a:lnTo>
+                  <a:cubicBezTo>
+                    <a:pt x="0" y="3429275"/>
+                    <a:pt x="26670" y="3454973"/>
+                    <a:pt x="58102" y="3454973"/>
+                  </a:cubicBezTo>
+                  <a:lnTo>
+                    <a:pt x="5103495" y="3454973"/>
+                  </a:lnTo>
+                  <a:cubicBezTo>
+                    <a:pt x="5135880" y="3454973"/>
+                    <a:pt x="5161598" y="3428324"/>
+                    <a:pt x="5161598" y="3396915"/>
+                  </a:cubicBezTo>
+                  <a:lnTo>
+                    <a:pt x="5161598" y="170369"/>
+                  </a:lnTo>
+                  <a:cubicBezTo>
+                    <a:pt x="5162550" y="76143"/>
+                    <a:pt x="5086350" y="0"/>
+                    <a:pt x="4992053" y="0"/>
+                  </a:cubicBezTo>
+                  <a:close/>
+                  <a:moveTo>
+                    <a:pt x="4981575" y="3245581"/>
+                  </a:moveTo>
+                  <a:lnTo>
+                    <a:pt x="190500" y="3245581"/>
+                  </a:lnTo>
+                  <a:lnTo>
+                    <a:pt x="190500" y="199874"/>
+                  </a:lnTo>
+                  <a:lnTo>
+                    <a:pt x="4981575" y="199874"/>
+                  </a:lnTo>
+                  <a:lnTo>
+                    <a:pt x="4981575" y="3245581"/>
+                  </a:lnTo>
+                  <a:close/>
+                </a:path>
+              </a:pathLst>
+            </a:custGeom>
+            <a:solidFill>
+              <a:schemeClr val="dk1"/>
+            </a:solidFill>
+            <a:ln>
+              <a:noFill/>
+            </a:ln>
+          </p:spPr>
+          <p:txBody>
+            <a:bodyPr spcFirstLastPara="1" wrap="square" lIns="91425" tIns="45700" rIns="91425" bIns="45700" anchor="ctr" anchorCtr="0">
+              <a:noAutofit/>
+            </a:bodyPr>
+            <a:lstStyle/>
+            <a:p>
+              <a:pPr marL="0" marR="0" lvl="0" indent="0" algn="l" rtl="0">
+                <a:spcBef>
+                  <a:spcPts val="0"/>
+                </a:spcBef>
+                <a:spcAft>
+                  <a:spcPts val="0"/>
+                </a:spcAft>
+                <a:buNone/>
+              </a:pPr>
+              <a:endParaRPr sz="1800">
+                <a:solidFill>
+                  <a:srgbClr val="000000"/>
+                </a:solidFill>
+                <a:latin typeface="Calibri"/>
+                <a:ea typeface="Calibri"/>
+                <a:cs typeface="Calibri"/>
+                <a:sym typeface="Calibri"/>
+              </a:endParaRPr>
+            </a:p>
+          </p:txBody>
+        </p:sp>
+        <p:sp>
+          <p:nvSpPr>
+            <p:cNvPr id="11" name="Google Shape;744;p34">
               <a:extLst>
                 <a:ext uri="{FF2B5EF4-FFF2-40B4-BE49-F238E27FC236}">
-                  <a16:creationId xmlns:a16="http://schemas.microsoft.com/office/drawing/2014/main" id="{3C7CF886-65FE-1640-82CA-1B548AF3A9EE}"/>
+                  <a16:creationId xmlns:a16="http://schemas.microsoft.com/office/drawing/2014/main" id="{704B8EDD-EE69-0941-80C5-F2A60DBC22CD}"/>
                 </a:ext>
               </a:extLst>
             </p:cNvPr>
-            <p:cNvPicPr>
-              <a:picLocks noChangeAspect="1"/>
-            </p:cNvPicPr>
+            <p:cNvSpPr/>
             <p:nvPr/>
-          </p:nvPicPr>
-          <p:blipFill>
-            <a:blip r:embed="rId3"/>
-            <a:stretch>
-              <a:fillRect/>
-            </a:stretch>
-          </p:blipFill>
+          </p:nvSpPr>
           <p:spPr>
             <a:xfrm>
-              <a:off x="5447607" y="2016518"/>
-              <a:ext cx="3149486" cy="2006841"/>
+              <a:off x="1177450" y="3763229"/>
+              <a:ext cx="6173152" cy="95178"/>
             </a:xfrm>
-            <a:prstGeom prst="rect">
+            <a:custGeom>
               <a:avLst/>
-            </a:prstGeom>
+              <a:gdLst/>
+              <a:ahLst/>
+              <a:cxnLst/>
+              <a:rect l="l" t="t" r="r" b="b"/>
+              <a:pathLst>
+                <a:path w="6173152" h="95178" extrusionOk="0">
+                  <a:moveTo>
+                    <a:pt x="0" y="0"/>
+                  </a:moveTo>
+                  <a:cubicBezTo>
+                    <a:pt x="0" y="0"/>
+                    <a:pt x="129540" y="95178"/>
+                    <a:pt x="450533" y="95178"/>
+                  </a:cubicBezTo>
+                  <a:lnTo>
+                    <a:pt x="5817870" y="95178"/>
+                  </a:lnTo>
+                  <a:cubicBezTo>
+                    <a:pt x="5948363" y="95178"/>
+                    <a:pt x="6173153" y="0"/>
+                    <a:pt x="6173153" y="0"/>
+                  </a:cubicBezTo>
+                  <a:lnTo>
+                    <a:pt x="0" y="0"/>
+                  </a:lnTo>
+                  <a:close/>
+                </a:path>
+              </a:pathLst>
+            </a:custGeom>
+            <a:solidFill>
+              <a:schemeClr val="dk1"/>
+            </a:solidFill>
+            <a:ln>
+              <a:noFill/>
+            </a:ln>
           </p:spPr>
-        </p:pic>
+          <p:txBody>
+            <a:bodyPr spcFirstLastPara="1" wrap="square" lIns="91425" tIns="45700" rIns="91425" bIns="45700" anchor="ctr" anchorCtr="0">
+              <a:noAutofit/>
+            </a:bodyPr>
+            <a:lstStyle/>
+            <a:p>
+              <a:pPr marL="0" marR="0" lvl="0" indent="0" algn="l" rtl="0">
+                <a:spcBef>
+                  <a:spcPts val="0"/>
+                </a:spcBef>
+                <a:spcAft>
+                  <a:spcPts val="0"/>
+                </a:spcAft>
+                <a:buNone/>
+              </a:pPr>
+              <a:endParaRPr sz="1800">
+                <a:solidFill>
+                  <a:srgbClr val="000000"/>
+                </a:solidFill>
+                <a:latin typeface="Calibri"/>
+                <a:ea typeface="Calibri"/>
+                <a:cs typeface="Calibri"/>
+                <a:sym typeface="Calibri"/>
+              </a:endParaRPr>
+            </a:p>
+          </p:txBody>
+        </p:sp>
+        <p:sp>
+          <p:nvSpPr>
+            <p:cNvPr id="12" name="Google Shape;745;p34">
+              <a:extLst>
+                <a:ext uri="{FF2B5EF4-FFF2-40B4-BE49-F238E27FC236}">
+                  <a16:creationId xmlns:a16="http://schemas.microsoft.com/office/drawing/2014/main" id="{93AE8D39-4804-CB4C-B72E-8429CA4F21A8}"/>
+                </a:ext>
+              </a:extLst>
+            </p:cNvPr>
+            <p:cNvSpPr/>
+            <p:nvPr/>
+          </p:nvSpPr>
+          <p:spPr>
+            <a:xfrm>
+              <a:off x="1177450" y="3687086"/>
+              <a:ext cx="6172200" cy="76142"/>
+            </a:xfrm>
+            <a:custGeom>
+              <a:avLst/>
+              <a:gdLst/>
+              <a:ahLst/>
+              <a:cxnLst/>
+              <a:rect l="l" t="t" r="r" b="b"/>
+              <a:pathLst>
+                <a:path w="6172200" h="76142" extrusionOk="0">
+                  <a:moveTo>
+                    <a:pt x="0" y="76143"/>
+                  </a:moveTo>
+                  <a:lnTo>
+                    <a:pt x="6172200" y="76143"/>
+                  </a:lnTo>
+                  <a:lnTo>
+                    <a:pt x="6172200" y="0"/>
+                  </a:lnTo>
+                  <a:lnTo>
+                    <a:pt x="0" y="0"/>
+                  </a:lnTo>
+                  <a:close/>
+                </a:path>
+              </a:pathLst>
+            </a:custGeom>
+            <a:solidFill>
+              <a:schemeClr val="dk2"/>
+            </a:solidFill>
+            <a:ln>
+              <a:noFill/>
+            </a:ln>
+          </p:spPr>
+          <p:txBody>
+            <a:bodyPr spcFirstLastPara="1" wrap="square" lIns="91425" tIns="45700" rIns="91425" bIns="45700" anchor="ctr" anchorCtr="0">
+              <a:noAutofit/>
+            </a:bodyPr>
+            <a:lstStyle/>
+            <a:p>
+              <a:pPr marL="0" marR="0" lvl="0" indent="0" algn="l" rtl="0">
+                <a:spcBef>
+                  <a:spcPts val="0"/>
+                </a:spcBef>
+                <a:spcAft>
+                  <a:spcPts val="0"/>
+                </a:spcAft>
+                <a:buNone/>
+              </a:pPr>
+              <a:endParaRPr sz="1800">
+                <a:solidFill>
+                  <a:srgbClr val="000000"/>
+                </a:solidFill>
+                <a:latin typeface="Calibri"/>
+                <a:ea typeface="Calibri"/>
+                <a:cs typeface="Calibri"/>
+                <a:sym typeface="Calibri"/>
+              </a:endParaRPr>
+            </a:p>
+          </p:txBody>
+        </p:sp>
+        <p:sp>
+          <p:nvSpPr>
+            <p:cNvPr id="13" name="Google Shape;746;p34">
+              <a:extLst>
+                <a:ext uri="{FF2B5EF4-FFF2-40B4-BE49-F238E27FC236}">
+                  <a16:creationId xmlns:a16="http://schemas.microsoft.com/office/drawing/2014/main" id="{0A54B4D6-1ADD-044F-B086-6D210A742346}"/>
+                </a:ext>
+              </a:extLst>
+            </p:cNvPr>
+            <p:cNvSpPr/>
+            <p:nvPr/>
+          </p:nvSpPr>
+          <p:spPr>
+            <a:xfrm>
+              <a:off x="3806350" y="3687086"/>
+              <a:ext cx="903922" cy="47589"/>
+            </a:xfrm>
+            <a:custGeom>
+              <a:avLst/>
+              <a:gdLst/>
+              <a:ahLst/>
+              <a:cxnLst/>
+              <a:rect l="l" t="t" r="r" b="b"/>
+              <a:pathLst>
+                <a:path w="903922" h="47589" extrusionOk="0">
+                  <a:moveTo>
+                    <a:pt x="0" y="0"/>
+                  </a:moveTo>
+                  <a:cubicBezTo>
+                    <a:pt x="0" y="0"/>
+                    <a:pt x="26670" y="47589"/>
+                    <a:pt x="53340" y="47589"/>
+                  </a:cubicBezTo>
+                  <a:lnTo>
+                    <a:pt x="850582" y="47589"/>
+                  </a:lnTo>
+                  <a:cubicBezTo>
+                    <a:pt x="877253" y="47589"/>
+                    <a:pt x="903922" y="0"/>
+                    <a:pt x="903922" y="0"/>
+                  </a:cubicBezTo>
+                  <a:lnTo>
+                    <a:pt x="0" y="0"/>
+                  </a:lnTo>
+                  <a:close/>
+                </a:path>
+              </a:pathLst>
+            </a:custGeom>
+            <a:solidFill>
+              <a:srgbClr val="666666"/>
+            </a:solidFill>
+            <a:ln>
+              <a:noFill/>
+            </a:ln>
+          </p:spPr>
+          <p:txBody>
+            <a:bodyPr spcFirstLastPara="1" wrap="square" lIns="91425" tIns="45700" rIns="91425" bIns="45700" anchor="ctr" anchorCtr="0">
+              <a:noAutofit/>
+            </a:bodyPr>
+            <a:lstStyle/>
+            <a:p>
+              <a:pPr marL="0" marR="0" lvl="0" indent="0" algn="l" rtl="0">
+                <a:spcBef>
+                  <a:spcPts val="0"/>
+                </a:spcBef>
+                <a:spcAft>
+                  <a:spcPts val="0"/>
+                </a:spcAft>
+                <a:buNone/>
+              </a:pPr>
+              <a:endParaRPr sz="1800">
+                <a:solidFill>
+                  <a:srgbClr val="000000"/>
+                </a:solidFill>
+                <a:latin typeface="Calibri"/>
+                <a:ea typeface="Calibri"/>
+                <a:cs typeface="Calibri"/>
+                <a:sym typeface="Calibri"/>
+              </a:endParaRPr>
+            </a:p>
+          </p:txBody>
+        </p:sp>
       </p:grpSp>
     </p:spTree>
   </p:cSld>
@@ -17670,12 +17648,41 @@
           </a:p>
         </p:txBody>
       </p:sp>
+      <p:pic>
+        <p:nvPicPr>
+          <p:cNvPr id="12" name="Picture 11">
+            <a:extLst>
+              <a:ext uri="{FF2B5EF4-FFF2-40B4-BE49-F238E27FC236}">
+                <a16:creationId xmlns:a16="http://schemas.microsoft.com/office/drawing/2014/main" id="{AC6C890C-58D2-014B-A3CE-CC048F44C9CB}"/>
+              </a:ext>
+            </a:extLst>
+          </p:cNvPr>
+          <p:cNvPicPr>
+            <a:picLocks noChangeAspect="1"/>
+          </p:cNvPicPr>
+          <p:nvPr/>
+        </p:nvPicPr>
+        <p:blipFill>
+          <a:blip r:embed="rId3"/>
+          <a:srcRect/>
+          <a:stretch/>
+        </p:blipFill>
+        <p:spPr>
+          <a:xfrm>
+            <a:off x="5534957" y="2052085"/>
+            <a:ext cx="3204667" cy="1998402"/>
+          </a:xfrm>
+          <a:prstGeom prst="rect">
+            <a:avLst/>
+          </a:prstGeom>
+        </p:spPr>
+      </p:pic>
       <p:grpSp>
         <p:nvGrpSpPr>
-          <p:cNvPr id="13" name="Group 12">
+          <p:cNvPr id="6" name="Google Shape;742;p34">
             <a:extLst>
               <a:ext uri="{FF2B5EF4-FFF2-40B4-BE49-F238E27FC236}">
-                <a16:creationId xmlns:a16="http://schemas.microsoft.com/office/drawing/2014/main" id="{B79EE063-6E8E-5E4C-950E-1DBB080F475D}"/>
+                <a16:creationId xmlns:a16="http://schemas.microsoft.com/office/drawing/2014/main" id="{ADD702F6-212B-2646-9DF2-0E03957E723C}"/>
               </a:ext>
             </a:extLst>
           </p:cNvPr>
@@ -17686,414 +17693,363 @@
           <a:xfrm>
             <a:off x="5106646" y="1931418"/>
             <a:ext cx="4037354" cy="2389184"/>
-            <a:chOff x="4944246" y="2098566"/>
-            <a:chExt cx="4037354" cy="2389184"/>
+            <a:chOff x="1177450" y="241631"/>
+            <a:chExt cx="6173152" cy="3616776"/>
           </a:xfrm>
         </p:grpSpPr>
-        <p:pic>
-          <p:nvPicPr>
-            <p:cNvPr id="12" name="Picture 11">
+        <p:sp>
+          <p:nvSpPr>
+            <p:cNvPr id="8" name="Google Shape;743;p34">
               <a:extLst>
                 <a:ext uri="{FF2B5EF4-FFF2-40B4-BE49-F238E27FC236}">
-                  <a16:creationId xmlns:a16="http://schemas.microsoft.com/office/drawing/2014/main" id="{AC6C890C-58D2-014B-A3CE-CC048F44C9CB}"/>
+                  <a16:creationId xmlns:a16="http://schemas.microsoft.com/office/drawing/2014/main" id="{0099C387-451E-F14F-9B03-A8196E2C4FB6}"/>
                 </a:ext>
               </a:extLst>
             </p:cNvPr>
-            <p:cNvPicPr>
-              <a:picLocks noChangeAspect="1"/>
-            </p:cNvPicPr>
+            <p:cNvSpPr/>
             <p:nvPr/>
-          </p:nvPicPr>
-          <p:blipFill>
-            <a:blip r:embed="rId3"/>
-            <a:stretch>
-              <a:fillRect/>
-            </a:stretch>
-          </p:blipFill>
+          </p:nvSpPr>
           <p:spPr>
             <a:xfrm>
-              <a:off x="5372557" y="2182762"/>
-              <a:ext cx="3204667" cy="2120240"/>
+              <a:off x="1682275" y="241631"/>
+              <a:ext cx="5161606" cy="3454973"/>
             </a:xfrm>
-            <a:prstGeom prst="rect">
+            <a:custGeom>
               <a:avLst/>
-            </a:prstGeom>
+              <a:gdLst/>
+              <a:ahLst/>
+              <a:cxnLst/>
+              <a:rect l="l" t="t" r="r" b="b"/>
+              <a:pathLst>
+                <a:path w="5161606" h="3454973" extrusionOk="0">
+                  <a:moveTo>
+                    <a:pt x="4992053" y="0"/>
+                  </a:moveTo>
+                  <a:lnTo>
+                    <a:pt x="170498" y="0"/>
+                  </a:lnTo>
+                  <a:cubicBezTo>
+                    <a:pt x="76200" y="0"/>
+                    <a:pt x="0" y="76143"/>
+                    <a:pt x="0" y="170369"/>
+                  </a:cubicBezTo>
+                  <a:lnTo>
+                    <a:pt x="0" y="3396915"/>
+                  </a:lnTo>
+                  <a:cubicBezTo>
+                    <a:pt x="0" y="3429275"/>
+                    <a:pt x="26670" y="3454973"/>
+                    <a:pt x="58102" y="3454973"/>
+                  </a:cubicBezTo>
+                  <a:lnTo>
+                    <a:pt x="5103495" y="3454973"/>
+                  </a:lnTo>
+                  <a:cubicBezTo>
+                    <a:pt x="5135880" y="3454973"/>
+                    <a:pt x="5161598" y="3428324"/>
+                    <a:pt x="5161598" y="3396915"/>
+                  </a:cubicBezTo>
+                  <a:lnTo>
+                    <a:pt x="5161598" y="170369"/>
+                  </a:lnTo>
+                  <a:cubicBezTo>
+                    <a:pt x="5162550" y="76143"/>
+                    <a:pt x="5086350" y="0"/>
+                    <a:pt x="4992053" y="0"/>
+                  </a:cubicBezTo>
+                  <a:close/>
+                  <a:moveTo>
+                    <a:pt x="4981575" y="3245581"/>
+                  </a:moveTo>
+                  <a:lnTo>
+                    <a:pt x="190500" y="3245581"/>
+                  </a:lnTo>
+                  <a:lnTo>
+                    <a:pt x="190500" y="199874"/>
+                  </a:lnTo>
+                  <a:lnTo>
+                    <a:pt x="4981575" y="199874"/>
+                  </a:lnTo>
+                  <a:lnTo>
+                    <a:pt x="4981575" y="3245581"/>
+                  </a:lnTo>
+                  <a:close/>
+                </a:path>
+              </a:pathLst>
+            </a:custGeom>
+            <a:solidFill>
+              <a:schemeClr val="dk1"/>
+            </a:solidFill>
+            <a:ln>
+              <a:noFill/>
+            </a:ln>
           </p:spPr>
-        </p:pic>
-        <p:grpSp>
-          <p:nvGrpSpPr>
-            <p:cNvPr id="6" name="Google Shape;742;p34">
+          <p:txBody>
+            <a:bodyPr spcFirstLastPara="1" wrap="square" lIns="91425" tIns="45700" rIns="91425" bIns="45700" anchor="ctr" anchorCtr="0">
+              <a:noAutofit/>
+            </a:bodyPr>
+            <a:lstStyle/>
+            <a:p>
+              <a:pPr marL="0" marR="0" lvl="0" indent="0" algn="l" rtl="0">
+                <a:spcBef>
+                  <a:spcPts val="0"/>
+                </a:spcBef>
+                <a:spcAft>
+                  <a:spcPts val="0"/>
+                </a:spcAft>
+                <a:buNone/>
+              </a:pPr>
+              <a:endParaRPr sz="1800">
+                <a:solidFill>
+                  <a:srgbClr val="000000"/>
+                </a:solidFill>
+                <a:latin typeface="Calibri"/>
+                <a:ea typeface="Calibri"/>
+                <a:cs typeface="Calibri"/>
+                <a:sym typeface="Calibri"/>
+              </a:endParaRPr>
+            </a:p>
+          </p:txBody>
+        </p:sp>
+        <p:sp>
+          <p:nvSpPr>
+            <p:cNvPr id="9" name="Google Shape;744;p34">
               <a:extLst>
                 <a:ext uri="{FF2B5EF4-FFF2-40B4-BE49-F238E27FC236}">
-                  <a16:creationId xmlns:a16="http://schemas.microsoft.com/office/drawing/2014/main" id="{ADD702F6-212B-2646-9DF2-0E03957E723C}"/>
+                  <a16:creationId xmlns:a16="http://schemas.microsoft.com/office/drawing/2014/main" id="{B1376843-19F1-F548-9ABE-4EB9E368413B}"/>
                 </a:ext>
               </a:extLst>
             </p:cNvPr>
-            <p:cNvGrpSpPr/>
+            <p:cNvSpPr/>
             <p:nvPr/>
-          </p:nvGrpSpPr>
-          <p:grpSpPr>
+          </p:nvSpPr>
+          <p:spPr>
             <a:xfrm>
-              <a:off x="4944246" y="2098566"/>
-              <a:ext cx="4037354" cy="2389184"/>
-              <a:chOff x="1177450" y="241631"/>
-              <a:chExt cx="6173152" cy="3616776"/>
+              <a:off x="1177450" y="3763229"/>
+              <a:ext cx="6173152" cy="95178"/>
             </a:xfrm>
-          </p:grpSpPr>
-          <p:sp>
-            <p:nvSpPr>
-              <p:cNvPr id="8" name="Google Shape;743;p34">
-                <a:extLst>
-                  <a:ext uri="{FF2B5EF4-FFF2-40B4-BE49-F238E27FC236}">
-                    <a16:creationId xmlns:a16="http://schemas.microsoft.com/office/drawing/2014/main" id="{0099C387-451E-F14F-9B03-A8196E2C4FB6}"/>
-                  </a:ext>
-                </a:extLst>
-              </p:cNvPr>
-              <p:cNvSpPr/>
-              <p:nvPr/>
-            </p:nvSpPr>
-            <p:spPr>
-              <a:xfrm>
-                <a:off x="1682275" y="241631"/>
-                <a:ext cx="5161606" cy="3454973"/>
-              </a:xfrm>
-              <a:custGeom>
-                <a:avLst/>
-                <a:gdLst/>
-                <a:ahLst/>
-                <a:cxnLst/>
-                <a:rect l="l" t="t" r="r" b="b"/>
-                <a:pathLst>
-                  <a:path w="5161606" h="3454973" extrusionOk="0">
-                    <a:moveTo>
-                      <a:pt x="4992053" y="0"/>
-                    </a:moveTo>
-                    <a:lnTo>
-                      <a:pt x="170498" y="0"/>
-                    </a:lnTo>
-                    <a:cubicBezTo>
-                      <a:pt x="76200" y="0"/>
-                      <a:pt x="0" y="76143"/>
-                      <a:pt x="0" y="170369"/>
-                    </a:cubicBezTo>
-                    <a:lnTo>
-                      <a:pt x="0" y="3396915"/>
-                    </a:lnTo>
-                    <a:cubicBezTo>
-                      <a:pt x="0" y="3429275"/>
-                      <a:pt x="26670" y="3454973"/>
-                      <a:pt x="58102" y="3454973"/>
-                    </a:cubicBezTo>
-                    <a:lnTo>
-                      <a:pt x="5103495" y="3454973"/>
-                    </a:lnTo>
-                    <a:cubicBezTo>
-                      <a:pt x="5135880" y="3454973"/>
-                      <a:pt x="5161598" y="3428324"/>
-                      <a:pt x="5161598" y="3396915"/>
-                    </a:cubicBezTo>
-                    <a:lnTo>
-                      <a:pt x="5161598" y="170369"/>
-                    </a:lnTo>
-                    <a:cubicBezTo>
-                      <a:pt x="5162550" y="76143"/>
-                      <a:pt x="5086350" y="0"/>
-                      <a:pt x="4992053" y="0"/>
-                    </a:cubicBezTo>
-                    <a:close/>
-                    <a:moveTo>
-                      <a:pt x="4981575" y="3245581"/>
-                    </a:moveTo>
-                    <a:lnTo>
-                      <a:pt x="190500" y="3245581"/>
-                    </a:lnTo>
-                    <a:lnTo>
-                      <a:pt x="190500" y="199874"/>
-                    </a:lnTo>
-                    <a:lnTo>
-                      <a:pt x="4981575" y="199874"/>
-                    </a:lnTo>
-                    <a:lnTo>
-                      <a:pt x="4981575" y="3245581"/>
-                    </a:lnTo>
-                    <a:close/>
-                  </a:path>
-                </a:pathLst>
-              </a:custGeom>
-              <a:solidFill>
-                <a:schemeClr val="dk1"/>
-              </a:solidFill>
-              <a:ln>
-                <a:noFill/>
-              </a:ln>
-            </p:spPr>
-            <p:txBody>
-              <a:bodyPr spcFirstLastPara="1" wrap="square" lIns="91425" tIns="45700" rIns="91425" bIns="45700" anchor="ctr" anchorCtr="0">
-                <a:noAutofit/>
-              </a:bodyPr>
-              <a:lstStyle/>
-              <a:p>
-                <a:pPr marL="0" marR="0" lvl="0" indent="0" algn="l" rtl="0">
-                  <a:spcBef>
-                    <a:spcPts val="0"/>
-                  </a:spcBef>
-                  <a:spcAft>
-                    <a:spcPts val="0"/>
-                  </a:spcAft>
-                  <a:buNone/>
-                </a:pPr>
-                <a:endParaRPr sz="1800">
-                  <a:solidFill>
-                    <a:srgbClr val="000000"/>
-                  </a:solidFill>
-                  <a:latin typeface="Calibri"/>
-                  <a:ea typeface="Calibri"/>
-                  <a:cs typeface="Calibri"/>
-                  <a:sym typeface="Calibri"/>
-                </a:endParaRPr>
-              </a:p>
-            </p:txBody>
-          </p:sp>
-          <p:sp>
-            <p:nvSpPr>
-              <p:cNvPr id="9" name="Google Shape;744;p34">
-                <a:extLst>
-                  <a:ext uri="{FF2B5EF4-FFF2-40B4-BE49-F238E27FC236}">
-                    <a16:creationId xmlns:a16="http://schemas.microsoft.com/office/drawing/2014/main" id="{B1376843-19F1-F548-9ABE-4EB9E368413B}"/>
-                  </a:ext>
-                </a:extLst>
-              </p:cNvPr>
-              <p:cNvSpPr/>
-              <p:nvPr/>
-            </p:nvSpPr>
-            <p:spPr>
-              <a:xfrm>
-                <a:off x="1177450" y="3763229"/>
-                <a:ext cx="6173152" cy="95178"/>
-              </a:xfrm>
-              <a:custGeom>
-                <a:avLst/>
-                <a:gdLst/>
-                <a:ahLst/>
-                <a:cxnLst/>
-                <a:rect l="l" t="t" r="r" b="b"/>
-                <a:pathLst>
-                  <a:path w="6173152" h="95178" extrusionOk="0">
-                    <a:moveTo>
-                      <a:pt x="0" y="0"/>
-                    </a:moveTo>
-                    <a:cubicBezTo>
-                      <a:pt x="0" y="0"/>
-                      <a:pt x="129540" y="95178"/>
-                      <a:pt x="450533" y="95178"/>
-                    </a:cubicBezTo>
-                    <a:lnTo>
-                      <a:pt x="5817870" y="95178"/>
-                    </a:lnTo>
-                    <a:cubicBezTo>
-                      <a:pt x="5948363" y="95178"/>
-                      <a:pt x="6173153" y="0"/>
-                      <a:pt x="6173153" y="0"/>
-                    </a:cubicBezTo>
-                    <a:lnTo>
-                      <a:pt x="0" y="0"/>
-                    </a:lnTo>
-                    <a:close/>
-                  </a:path>
-                </a:pathLst>
-              </a:custGeom>
-              <a:solidFill>
-                <a:schemeClr val="dk1"/>
-              </a:solidFill>
-              <a:ln>
-                <a:noFill/>
-              </a:ln>
-            </p:spPr>
-            <p:txBody>
-              <a:bodyPr spcFirstLastPara="1" wrap="square" lIns="91425" tIns="45700" rIns="91425" bIns="45700" anchor="ctr" anchorCtr="0">
-                <a:noAutofit/>
-              </a:bodyPr>
-              <a:lstStyle/>
-              <a:p>
-                <a:pPr marL="0" marR="0" lvl="0" indent="0" algn="l" rtl="0">
-                  <a:spcBef>
-                    <a:spcPts val="0"/>
-                  </a:spcBef>
-                  <a:spcAft>
-                    <a:spcPts val="0"/>
-                  </a:spcAft>
-                  <a:buNone/>
-                </a:pPr>
-                <a:endParaRPr sz="1800">
-                  <a:solidFill>
-                    <a:srgbClr val="000000"/>
-                  </a:solidFill>
-                  <a:latin typeface="Calibri"/>
-                  <a:ea typeface="Calibri"/>
-                  <a:cs typeface="Calibri"/>
-                  <a:sym typeface="Calibri"/>
-                </a:endParaRPr>
-              </a:p>
-            </p:txBody>
-          </p:sp>
-          <p:sp>
-            <p:nvSpPr>
-              <p:cNvPr id="10" name="Google Shape;745;p34">
-                <a:extLst>
-                  <a:ext uri="{FF2B5EF4-FFF2-40B4-BE49-F238E27FC236}">
-                    <a16:creationId xmlns:a16="http://schemas.microsoft.com/office/drawing/2014/main" id="{750EABF7-FA62-1F4C-AF16-747496D51240}"/>
-                  </a:ext>
-                </a:extLst>
-              </p:cNvPr>
-              <p:cNvSpPr/>
-              <p:nvPr/>
-            </p:nvSpPr>
-            <p:spPr>
-              <a:xfrm>
-                <a:off x="1177450" y="3687086"/>
-                <a:ext cx="6172200" cy="76142"/>
-              </a:xfrm>
-              <a:custGeom>
-                <a:avLst/>
-                <a:gdLst/>
-                <a:ahLst/>
-                <a:cxnLst/>
-                <a:rect l="l" t="t" r="r" b="b"/>
-                <a:pathLst>
-                  <a:path w="6172200" h="76142" extrusionOk="0">
-                    <a:moveTo>
-                      <a:pt x="0" y="76143"/>
-                    </a:moveTo>
-                    <a:lnTo>
-                      <a:pt x="6172200" y="76143"/>
-                    </a:lnTo>
-                    <a:lnTo>
-                      <a:pt x="6172200" y="0"/>
-                    </a:lnTo>
-                    <a:lnTo>
-                      <a:pt x="0" y="0"/>
-                    </a:lnTo>
-                    <a:close/>
-                  </a:path>
-                </a:pathLst>
-              </a:custGeom>
-              <a:solidFill>
-                <a:schemeClr val="dk2"/>
-              </a:solidFill>
-              <a:ln>
-                <a:noFill/>
-              </a:ln>
-            </p:spPr>
-            <p:txBody>
-              <a:bodyPr spcFirstLastPara="1" wrap="square" lIns="91425" tIns="45700" rIns="91425" bIns="45700" anchor="ctr" anchorCtr="0">
-                <a:noAutofit/>
-              </a:bodyPr>
-              <a:lstStyle/>
-              <a:p>
-                <a:pPr marL="0" marR="0" lvl="0" indent="0" algn="l" rtl="0">
-                  <a:spcBef>
-                    <a:spcPts val="0"/>
-                  </a:spcBef>
-                  <a:spcAft>
-                    <a:spcPts val="0"/>
-                  </a:spcAft>
-                  <a:buNone/>
-                </a:pPr>
-                <a:endParaRPr sz="1800">
-                  <a:solidFill>
-                    <a:srgbClr val="000000"/>
-                  </a:solidFill>
-                  <a:latin typeface="Calibri"/>
-                  <a:ea typeface="Calibri"/>
-                  <a:cs typeface="Calibri"/>
-                  <a:sym typeface="Calibri"/>
-                </a:endParaRPr>
-              </a:p>
-            </p:txBody>
-          </p:sp>
-          <p:sp>
-            <p:nvSpPr>
-              <p:cNvPr id="11" name="Google Shape;746;p34">
-                <a:extLst>
-                  <a:ext uri="{FF2B5EF4-FFF2-40B4-BE49-F238E27FC236}">
-                    <a16:creationId xmlns:a16="http://schemas.microsoft.com/office/drawing/2014/main" id="{F4BF0D78-0D89-1E48-A5AF-D72E68A66B6F}"/>
-                  </a:ext>
-                </a:extLst>
-              </p:cNvPr>
-              <p:cNvSpPr/>
-              <p:nvPr/>
-            </p:nvSpPr>
-            <p:spPr>
-              <a:xfrm>
-                <a:off x="3806350" y="3687086"/>
-                <a:ext cx="903922" cy="47589"/>
-              </a:xfrm>
-              <a:custGeom>
-                <a:avLst/>
-                <a:gdLst/>
-                <a:ahLst/>
-                <a:cxnLst/>
-                <a:rect l="l" t="t" r="r" b="b"/>
-                <a:pathLst>
-                  <a:path w="903922" h="47589" extrusionOk="0">
-                    <a:moveTo>
-                      <a:pt x="0" y="0"/>
-                    </a:moveTo>
-                    <a:cubicBezTo>
-                      <a:pt x="0" y="0"/>
-                      <a:pt x="26670" y="47589"/>
-                      <a:pt x="53340" y="47589"/>
-                    </a:cubicBezTo>
-                    <a:lnTo>
-                      <a:pt x="850582" y="47589"/>
-                    </a:lnTo>
-                    <a:cubicBezTo>
-                      <a:pt x="877253" y="47589"/>
-                      <a:pt x="903922" y="0"/>
-                      <a:pt x="903922" y="0"/>
-                    </a:cubicBezTo>
-                    <a:lnTo>
-                      <a:pt x="0" y="0"/>
-                    </a:lnTo>
-                    <a:close/>
-                  </a:path>
-                </a:pathLst>
-              </a:custGeom>
-              <a:solidFill>
-                <a:srgbClr val="666666"/>
-              </a:solidFill>
-              <a:ln>
-                <a:noFill/>
-              </a:ln>
-            </p:spPr>
-            <p:txBody>
-              <a:bodyPr spcFirstLastPara="1" wrap="square" lIns="91425" tIns="45700" rIns="91425" bIns="45700" anchor="ctr" anchorCtr="0">
-                <a:noAutofit/>
-              </a:bodyPr>
-              <a:lstStyle/>
-              <a:p>
-                <a:pPr marL="0" marR="0" lvl="0" indent="0" algn="l" rtl="0">
-                  <a:spcBef>
-                    <a:spcPts val="0"/>
-                  </a:spcBef>
-                  <a:spcAft>
-                    <a:spcPts val="0"/>
-                  </a:spcAft>
-                  <a:buNone/>
-                </a:pPr>
-                <a:endParaRPr sz="1800">
-                  <a:solidFill>
-                    <a:srgbClr val="000000"/>
-                  </a:solidFill>
-                  <a:latin typeface="Calibri"/>
-                  <a:ea typeface="Calibri"/>
-                  <a:cs typeface="Calibri"/>
-                  <a:sym typeface="Calibri"/>
-                </a:endParaRPr>
-              </a:p>
-            </p:txBody>
-          </p:sp>
-        </p:grpSp>
+            <a:custGeom>
+              <a:avLst/>
+              <a:gdLst/>
+              <a:ahLst/>
+              <a:cxnLst/>
+              <a:rect l="l" t="t" r="r" b="b"/>
+              <a:pathLst>
+                <a:path w="6173152" h="95178" extrusionOk="0">
+                  <a:moveTo>
+                    <a:pt x="0" y="0"/>
+                  </a:moveTo>
+                  <a:cubicBezTo>
+                    <a:pt x="0" y="0"/>
+                    <a:pt x="129540" y="95178"/>
+                    <a:pt x="450533" y="95178"/>
+                  </a:cubicBezTo>
+                  <a:lnTo>
+                    <a:pt x="5817870" y="95178"/>
+                  </a:lnTo>
+                  <a:cubicBezTo>
+                    <a:pt x="5948363" y="95178"/>
+                    <a:pt x="6173153" y="0"/>
+                    <a:pt x="6173153" y="0"/>
+                  </a:cubicBezTo>
+                  <a:lnTo>
+                    <a:pt x="0" y="0"/>
+                  </a:lnTo>
+                  <a:close/>
+                </a:path>
+              </a:pathLst>
+            </a:custGeom>
+            <a:solidFill>
+              <a:schemeClr val="dk1"/>
+            </a:solidFill>
+            <a:ln>
+              <a:noFill/>
+            </a:ln>
+          </p:spPr>
+          <p:txBody>
+            <a:bodyPr spcFirstLastPara="1" wrap="square" lIns="91425" tIns="45700" rIns="91425" bIns="45700" anchor="ctr" anchorCtr="0">
+              <a:noAutofit/>
+            </a:bodyPr>
+            <a:lstStyle/>
+            <a:p>
+              <a:pPr marL="0" marR="0" lvl="0" indent="0" algn="l" rtl="0">
+                <a:spcBef>
+                  <a:spcPts val="0"/>
+                </a:spcBef>
+                <a:spcAft>
+                  <a:spcPts val="0"/>
+                </a:spcAft>
+                <a:buNone/>
+              </a:pPr>
+              <a:endParaRPr sz="1800">
+                <a:solidFill>
+                  <a:srgbClr val="000000"/>
+                </a:solidFill>
+                <a:latin typeface="Calibri"/>
+                <a:ea typeface="Calibri"/>
+                <a:cs typeface="Calibri"/>
+                <a:sym typeface="Calibri"/>
+              </a:endParaRPr>
+            </a:p>
+          </p:txBody>
+        </p:sp>
+        <p:sp>
+          <p:nvSpPr>
+            <p:cNvPr id="10" name="Google Shape;745;p34">
+              <a:extLst>
+                <a:ext uri="{FF2B5EF4-FFF2-40B4-BE49-F238E27FC236}">
+                  <a16:creationId xmlns:a16="http://schemas.microsoft.com/office/drawing/2014/main" id="{750EABF7-FA62-1F4C-AF16-747496D51240}"/>
+                </a:ext>
+              </a:extLst>
+            </p:cNvPr>
+            <p:cNvSpPr/>
+            <p:nvPr/>
+          </p:nvSpPr>
+          <p:spPr>
+            <a:xfrm>
+              <a:off x="1177450" y="3687086"/>
+              <a:ext cx="6172200" cy="76142"/>
+            </a:xfrm>
+            <a:custGeom>
+              <a:avLst/>
+              <a:gdLst/>
+              <a:ahLst/>
+              <a:cxnLst/>
+              <a:rect l="l" t="t" r="r" b="b"/>
+              <a:pathLst>
+                <a:path w="6172200" h="76142" extrusionOk="0">
+                  <a:moveTo>
+                    <a:pt x="0" y="76143"/>
+                  </a:moveTo>
+                  <a:lnTo>
+                    <a:pt x="6172200" y="76143"/>
+                  </a:lnTo>
+                  <a:lnTo>
+                    <a:pt x="6172200" y="0"/>
+                  </a:lnTo>
+                  <a:lnTo>
+                    <a:pt x="0" y="0"/>
+                  </a:lnTo>
+                  <a:close/>
+                </a:path>
+              </a:pathLst>
+            </a:custGeom>
+            <a:solidFill>
+              <a:schemeClr val="dk2"/>
+            </a:solidFill>
+            <a:ln>
+              <a:noFill/>
+            </a:ln>
+          </p:spPr>
+          <p:txBody>
+            <a:bodyPr spcFirstLastPara="1" wrap="square" lIns="91425" tIns="45700" rIns="91425" bIns="45700" anchor="ctr" anchorCtr="0">
+              <a:noAutofit/>
+            </a:bodyPr>
+            <a:lstStyle/>
+            <a:p>
+              <a:pPr marL="0" marR="0" lvl="0" indent="0" algn="l" rtl="0">
+                <a:spcBef>
+                  <a:spcPts val="0"/>
+                </a:spcBef>
+                <a:spcAft>
+                  <a:spcPts val="0"/>
+                </a:spcAft>
+                <a:buNone/>
+              </a:pPr>
+              <a:endParaRPr sz="1800">
+                <a:solidFill>
+                  <a:srgbClr val="000000"/>
+                </a:solidFill>
+                <a:latin typeface="Calibri"/>
+                <a:ea typeface="Calibri"/>
+                <a:cs typeface="Calibri"/>
+                <a:sym typeface="Calibri"/>
+              </a:endParaRPr>
+            </a:p>
+          </p:txBody>
+        </p:sp>
+        <p:sp>
+          <p:nvSpPr>
+            <p:cNvPr id="11" name="Google Shape;746;p34">
+              <a:extLst>
+                <a:ext uri="{FF2B5EF4-FFF2-40B4-BE49-F238E27FC236}">
+                  <a16:creationId xmlns:a16="http://schemas.microsoft.com/office/drawing/2014/main" id="{F4BF0D78-0D89-1E48-A5AF-D72E68A66B6F}"/>
+                </a:ext>
+              </a:extLst>
+            </p:cNvPr>
+            <p:cNvSpPr/>
+            <p:nvPr/>
+          </p:nvSpPr>
+          <p:spPr>
+            <a:xfrm>
+              <a:off x="3806350" y="3687086"/>
+              <a:ext cx="903922" cy="47589"/>
+            </a:xfrm>
+            <a:custGeom>
+              <a:avLst/>
+              <a:gdLst/>
+              <a:ahLst/>
+              <a:cxnLst/>
+              <a:rect l="l" t="t" r="r" b="b"/>
+              <a:pathLst>
+                <a:path w="903922" h="47589" extrusionOk="0">
+                  <a:moveTo>
+                    <a:pt x="0" y="0"/>
+                  </a:moveTo>
+                  <a:cubicBezTo>
+                    <a:pt x="0" y="0"/>
+                    <a:pt x="26670" y="47589"/>
+                    <a:pt x="53340" y="47589"/>
+                  </a:cubicBezTo>
+                  <a:lnTo>
+                    <a:pt x="850582" y="47589"/>
+                  </a:lnTo>
+                  <a:cubicBezTo>
+                    <a:pt x="877253" y="47589"/>
+                    <a:pt x="903922" y="0"/>
+                    <a:pt x="903922" y="0"/>
+                  </a:cubicBezTo>
+                  <a:lnTo>
+                    <a:pt x="0" y="0"/>
+                  </a:lnTo>
+                  <a:close/>
+                </a:path>
+              </a:pathLst>
+            </a:custGeom>
+            <a:solidFill>
+              <a:srgbClr val="666666"/>
+            </a:solidFill>
+            <a:ln>
+              <a:noFill/>
+            </a:ln>
+          </p:spPr>
+          <p:txBody>
+            <a:bodyPr spcFirstLastPara="1" wrap="square" lIns="91425" tIns="45700" rIns="91425" bIns="45700" anchor="ctr" anchorCtr="0">
+              <a:noAutofit/>
+            </a:bodyPr>
+            <a:lstStyle/>
+            <a:p>
+              <a:pPr marL="0" marR="0" lvl="0" indent="0" algn="l" rtl="0">
+                <a:spcBef>
+                  <a:spcPts val="0"/>
+                </a:spcBef>
+                <a:spcAft>
+                  <a:spcPts val="0"/>
+                </a:spcAft>
+                <a:buNone/>
+              </a:pPr>
+              <a:endParaRPr sz="1800">
+                <a:solidFill>
+                  <a:srgbClr val="000000"/>
+                </a:solidFill>
+                <a:latin typeface="Calibri"/>
+                <a:ea typeface="Calibri"/>
+                <a:cs typeface="Calibri"/>
+                <a:sym typeface="Calibri"/>
+              </a:endParaRPr>
+            </a:p>
+          </p:txBody>
+        </p:sp>
       </p:grpSp>
     </p:spTree>
     <p:extLst>

--- a/DeceptionDetective.pptx
+++ b/DeceptionDetective.pptx
@@ -15,7 +15,7 @@
     <p:sldId id="305" r:id="rId6"/>
     <p:sldId id="295" r:id="rId7"/>
     <p:sldId id="293" r:id="rId8"/>
-    <p:sldId id="294" r:id="rId9"/>
+    <p:sldId id="310" r:id="rId9"/>
     <p:sldId id="308" r:id="rId10"/>
     <p:sldId id="306" r:id="rId11"/>
     <p:sldId id="307" r:id="rId12"/>
@@ -27,14 +27,14 @@
   <p:notesSz cx="6858000" cy="9144000"/>
   <p:embeddedFontLst>
     <p:embeddedFont>
-      <p:font typeface="Barlow Light" pitchFamily="2" charset="77"/>
+      <p:font typeface="Barlow Light" panose="020B0604020202020204" charset="0"/>
       <p:regular r:id="rId17"/>
       <p:bold r:id="rId18"/>
       <p:italic r:id="rId19"/>
       <p:boldItalic r:id="rId20"/>
     </p:embeddedFont>
     <p:embeddedFont>
-      <p:font typeface="Barlow SemiBold" pitchFamily="2" charset="77"/>
+      <p:font typeface="Barlow SemiBold" panose="020B0604020202020204" charset="0"/>
       <p:regular r:id="rId21"/>
       <p:bold r:id="rId22"/>
       <p:italic r:id="rId23"/>
@@ -16329,7 +16329,7 @@
           <a:p>
             <a:r>
               <a:rPr lang="en-US" sz="1800" dirty="0"/>
-              <a:t>Automated fact-check</a:t>
+              <a:t>Natural language complexity complicates programmatic statement finding</a:t>
             </a:r>
           </a:p>
           <a:p>
@@ -16341,13 +16341,13 @@
           <a:p>
             <a:r>
               <a:rPr lang="en-US" sz="1800" dirty="0"/>
-              <a:t>Efficient web crawling and scraping</a:t>
+              <a:t>Automated fact-check</a:t>
             </a:r>
           </a:p>
           <a:p>
             <a:r>
               <a:rPr lang="en-US" sz="1800" dirty="0"/>
-              <a:t>Natural language complexity complicates programmatic statement finding</a:t>
+              <a:t>Efficient web crawling and scraping</a:t>
             </a:r>
           </a:p>
           <a:p>
@@ -17301,8 +17301,8 @@
         </p:nvSpPr>
         <p:spPr>
           <a:xfrm>
-            <a:off x="1228865" y="2796272"/>
-            <a:ext cx="6686270" cy="1200329"/>
+            <a:off x="1228865" y="2554276"/>
+            <a:ext cx="6686270" cy="1815882"/>
           </a:xfrm>
           <a:prstGeom prst="rect">
             <a:avLst/>
@@ -17316,10 +17316,66 @@
           <a:lstStyle/>
           <a:p>
             <a:r>
-              <a:rPr lang="en-US" sz="1800" dirty="0">
+              <a:rPr lang="en-US" sz="1600" dirty="0">
                 <a:latin typeface="Barlow Light" panose="020B0604020202020204" charset="0"/>
               </a:rPr>
-              <a:t>Our project consists of three main components: the web extension front-end, the statement-finder backend, and the fact-checker backend. The above design diagram for our project shows how these components work together.</a:t>
+              <a:t>Our project consists of four main components: </a:t>
+            </a:r>
+          </a:p>
+          <a:p>
+            <a:pPr marL="342900" indent="-342900">
+              <a:buFont typeface="+mj-lt"/>
+              <a:buAutoNum type="arabicPeriod"/>
+            </a:pPr>
+            <a:r>
+              <a:rPr lang="en-US" sz="1600" dirty="0">
+                <a:latin typeface="Barlow Light" panose="020B0604020202020204" charset="0"/>
+              </a:rPr>
+              <a:t>Web extension</a:t>
+            </a:r>
+          </a:p>
+          <a:p>
+            <a:pPr marL="342900" indent="-342900">
+              <a:buFont typeface="+mj-lt"/>
+              <a:buAutoNum type="arabicPeriod"/>
+            </a:pPr>
+            <a:r>
+              <a:rPr lang="en-US" sz="1600" dirty="0">
+                <a:latin typeface="Barlow Light" panose="020B0604020202020204" charset="0"/>
+              </a:rPr>
+              <a:t>Statement-finder backend</a:t>
+            </a:r>
+          </a:p>
+          <a:p>
+            <a:pPr marL="342900" indent="-342900">
+              <a:buFont typeface="+mj-lt"/>
+              <a:buAutoNum type="arabicPeriod"/>
+            </a:pPr>
+            <a:r>
+              <a:rPr lang="en-US" sz="1600" dirty="0">
+                <a:latin typeface="Barlow Light" panose="020B0604020202020204" charset="0"/>
+              </a:rPr>
+              <a:t>Fact-checker backend</a:t>
+            </a:r>
+          </a:p>
+          <a:p>
+            <a:pPr marL="342900" indent="-342900">
+              <a:buFont typeface="+mj-lt"/>
+              <a:buAutoNum type="arabicPeriod"/>
+            </a:pPr>
+            <a:r>
+              <a:rPr lang="en-US" sz="1600" dirty="0">
+                <a:latin typeface="Barlow Light" panose="020B0604020202020204" charset="0"/>
+              </a:rPr>
+              <a:t>Output report</a:t>
+            </a:r>
+          </a:p>
+          <a:p>
+            <a:r>
+              <a:rPr lang="en-US" sz="1600" dirty="0">
+                <a:latin typeface="Barlow Light" panose="020B0604020202020204" charset="0"/>
+              </a:rPr>
+              <a:t>The above design diagram for our project shows how these components work together.</a:t>
             </a:r>
           </a:p>
         </p:txBody>
@@ -17420,12 +17476,42 @@
           </a:p>
         </p:txBody>
       </p:sp>
+      <p:pic>
+        <p:nvPicPr>
+          <p:cNvPr id="5" name="Picture 4">
+            <a:extLst>
+              <a:ext uri="{FF2B5EF4-FFF2-40B4-BE49-F238E27FC236}">
+                <a16:creationId xmlns:a16="http://schemas.microsoft.com/office/drawing/2014/main" id="{FEB6C351-6009-4AFC-926A-8BB6B9170B7F}"/>
+              </a:ext>
+            </a:extLst>
+          </p:cNvPr>
+          <p:cNvPicPr>
+            <a:picLocks noChangeAspect="1"/>
+          </p:cNvPicPr>
+          <p:nvPr/>
+        </p:nvPicPr>
+        <p:blipFill>
+          <a:blip r:embed="rId2"/>
+          <a:stretch>
+            <a:fillRect/>
+          </a:stretch>
+        </p:blipFill>
+        <p:spPr>
+          <a:xfrm>
+            <a:off x="1228865" y="0"/>
+            <a:ext cx="6686270" cy="2434635"/>
+          </a:xfrm>
+          <a:prstGeom prst="rect">
+            <a:avLst/>
+          </a:prstGeom>
+        </p:spPr>
+      </p:pic>
       <p:sp>
         <p:nvSpPr>
-          <p:cNvPr id="4" name="TextBox 3">
+          <p:cNvPr id="8" name="TextBox 7">
             <a:extLst>
               <a:ext uri="{FF2B5EF4-FFF2-40B4-BE49-F238E27FC236}">
-                <a16:creationId xmlns:a16="http://schemas.microsoft.com/office/drawing/2014/main" id="{758AA5F7-DCD5-4193-9629-326606D7922B}"/>
+                <a16:creationId xmlns:a16="http://schemas.microsoft.com/office/drawing/2014/main" id="{26F21A16-7954-4814-AA87-ADE3177F3098}"/>
               </a:ext>
             </a:extLst>
           </p:cNvPr>
@@ -17434,8 +17520,8 @@
         </p:nvSpPr>
         <p:spPr>
           <a:xfrm>
-            <a:off x="1193343" y="1309866"/>
-            <a:ext cx="6757313" cy="2523768"/>
+            <a:off x="1228865" y="2434635"/>
+            <a:ext cx="6686270" cy="2046714"/>
           </a:xfrm>
           <a:prstGeom prst="rect">
             <a:avLst/>
@@ -17449,12 +17535,12 @@
           <a:lstStyle/>
           <a:p>
             <a:pPr>
-              <a:spcBef>
-                <a:spcPts val="1200"/>
-              </a:spcBef>
+              <a:spcAft>
+                <a:spcPts val="600"/>
+              </a:spcAft>
             </a:pPr>
             <a:r>
-              <a:rPr lang="en-US" sz="1600" dirty="0">
+              <a:rPr lang="en-US" dirty="0">
                 <a:latin typeface="Barlow Light" panose="020B0604020202020204" charset="0"/>
               </a:rPr>
               <a:t>Web extension: The user interacts with the extension to activate the tool</a:t>
@@ -17462,12 +17548,12 @@
           </a:p>
           <a:p>
             <a:pPr>
-              <a:spcBef>
-                <a:spcPts val="1200"/>
-              </a:spcBef>
+              <a:spcAft>
+                <a:spcPts val="600"/>
+              </a:spcAft>
             </a:pPr>
             <a:r>
-              <a:rPr lang="en-US" sz="1600" dirty="0">
+              <a:rPr lang="en-US" dirty="0">
                 <a:latin typeface="Barlow Light" panose="020B0604020202020204" charset="0"/>
               </a:rPr>
               <a:t>Statement-finder: The input from the web extension is processed to create a list of statements within the provided text</a:t>
@@ -17475,12 +17561,12 @@
           </a:p>
           <a:p>
             <a:pPr>
-              <a:spcBef>
-                <a:spcPts val="1200"/>
-              </a:spcBef>
+              <a:spcAft>
+                <a:spcPts val="600"/>
+              </a:spcAft>
             </a:pPr>
             <a:r>
-              <a:rPr lang="en-US" sz="1600" dirty="0">
+              <a:rPr lang="en-US" dirty="0">
                 <a:latin typeface="Barlow Light" panose="020B0604020202020204" charset="0"/>
               </a:rPr>
               <a:t>Fact-checker: Each statement is checked against one or more online source to determine its factual integrity</a:t>
@@ -17488,15 +17574,15 @@
           </a:p>
           <a:p>
             <a:pPr>
-              <a:spcBef>
-                <a:spcPts val="1200"/>
-              </a:spcBef>
+              <a:spcAft>
+                <a:spcPts val="600"/>
+              </a:spcAft>
             </a:pPr>
             <a:r>
-              <a:rPr lang="en-US" sz="1600" dirty="0">
+              <a:rPr lang="en-US" dirty="0">
                 <a:latin typeface="Barlow Light" panose="020B0604020202020204" charset="0"/>
               </a:rPr>
-              <a:t>Frontend: Using the statements and their results from the fact-checker tool, a report is displayed to show each statement’s factuality rating and citation links for the user to explore </a:t>
+              <a:t>Output report: Using the statements and their results from the fact-checker tool, a report is displayed to show each statement’s factuality rating and citation links for the user to explore </a:t>
             </a:r>
           </a:p>
         </p:txBody>
@@ -17504,7 +17590,7 @@
     </p:spTree>
     <p:extLst>
       <p:ext uri="{BB962C8B-B14F-4D97-AF65-F5344CB8AC3E}">
-        <p14:creationId xmlns:p14="http://schemas.microsoft.com/office/powerpoint/2010/main" val="3653954898"/>
+        <p14:creationId xmlns:p14="http://schemas.microsoft.com/office/powerpoint/2010/main" val="3684064611"/>
       </p:ext>
     </p:extLst>
   </p:cSld>
